--- a/Week 48/Views.pptx
+++ b/Week 48/Views.pptx
@@ -11,6 +11,7 @@
     <p:sldId id="259" r:id="rId5"/>
     <p:sldId id="260" r:id="rId6"/>
     <p:sldId id="261" r:id="rId7"/>
+    <p:sldId id="262" r:id="rId8"/>
   </p:sldIdLst>
   <p:sldSz cx="12192000" cy="6858000"/>
   <p:notesSz cx="6858000" cy="9144000"/>
@@ -5922,11 +5923,82 @@
               <a:t> </a:t>
             </a:r>
             <a:r>
-              <a:rPr lang="en-US" dirty="0" err="1" smtClean="0">
+              <a:rPr lang="en-US" dirty="0" err="1">
                 <a:latin typeface="Times New Roman" panose="02020603050405020304" pitchFamily="18" charset="0"/>
                 <a:cs typeface="Times New Roman" panose="02020603050405020304" pitchFamily="18" charset="0"/>
               </a:rPr>
               <a:t>view_name</a:t>
+            </a:r>
+            <a:r>
+              <a:rPr lang="en-US" dirty="0">
+                <a:latin typeface="Times New Roman" panose="02020603050405020304" pitchFamily="18" charset="0"/>
+                <a:cs typeface="Times New Roman" panose="02020603050405020304" pitchFamily="18" charset="0"/>
+              </a:rPr>
+              <a:t> </a:t>
+            </a:r>
+            <a:r>
+              <a:rPr lang="en-US" sz="1600" dirty="0">
+                <a:latin typeface="Times New Roman" panose="02020603050405020304" pitchFamily="18" charset="0"/>
+                <a:cs typeface="Times New Roman" panose="02020603050405020304" pitchFamily="18" charset="0"/>
+              </a:rPr>
+              <a:t>AS  </a:t>
+            </a:r>
+          </a:p>
+          <a:p>
+            <a:pPr marL="0" indent="0">
+              <a:buNone/>
+            </a:pPr>
+            <a:r>
+              <a:rPr lang="en-US" sz="1600" dirty="0">
+                <a:latin typeface="Times New Roman" panose="02020603050405020304" pitchFamily="18" charset="0"/>
+                <a:cs typeface="Times New Roman" panose="02020603050405020304" pitchFamily="18" charset="0"/>
+              </a:rPr>
+              <a:t>SELECT</a:t>
+            </a:r>
+            <a:r>
+              <a:rPr lang="en-US" dirty="0">
+                <a:latin typeface="Times New Roman" panose="02020603050405020304" pitchFamily="18" charset="0"/>
+                <a:cs typeface="Times New Roman" panose="02020603050405020304" pitchFamily="18" charset="0"/>
+              </a:rPr>
+              <a:t> columns  </a:t>
+            </a:r>
+          </a:p>
+          <a:p>
+            <a:pPr marL="0" indent="0">
+              <a:buNone/>
+            </a:pPr>
+            <a:r>
+              <a:rPr lang="en-US" sz="1600" dirty="0">
+                <a:latin typeface="Times New Roman" panose="02020603050405020304" pitchFamily="18" charset="0"/>
+                <a:cs typeface="Times New Roman" panose="02020603050405020304" pitchFamily="18" charset="0"/>
+              </a:rPr>
+              <a:t>FROM</a:t>
+            </a:r>
+            <a:r>
+              <a:rPr lang="en-US" dirty="0">
+                <a:latin typeface="Times New Roman" panose="02020603050405020304" pitchFamily="18" charset="0"/>
+                <a:cs typeface="Times New Roman" panose="02020603050405020304" pitchFamily="18" charset="0"/>
+              </a:rPr>
+              <a:t> table  </a:t>
+            </a:r>
+          </a:p>
+          <a:p>
+            <a:pPr marL="0" indent="0">
+              <a:buNone/>
+            </a:pPr>
+            <a:r>
+              <a:rPr lang="en-US" sz="1600" dirty="0">
+                <a:latin typeface="Times New Roman" panose="02020603050405020304" pitchFamily="18" charset="0"/>
+                <a:cs typeface="Times New Roman" panose="02020603050405020304" pitchFamily="18" charset="0"/>
+              </a:rPr>
+              <a:t>WHERE</a:t>
+            </a:r>
+            <a:r>
+              <a:rPr lang="en-US" dirty="0">
+                <a:latin typeface="Times New Roman" panose="02020603050405020304" pitchFamily="18" charset="0"/>
+                <a:cs typeface="Times New Roman" panose="02020603050405020304" pitchFamily="18" charset="0"/>
+              </a:rPr>
+              <a:t> conditions; </a:t>
             </a:r>
             <a:endParaRPr lang="en-US" dirty="0" smtClean="0">
               <a:latin typeface="Times New Roman" panose="02020603050405020304" pitchFamily="18" charset="0"/>
@@ -5938,18 +6010,339 @@
               <a:buNone/>
             </a:pPr>
             <a:r>
+              <a:rPr lang="en-US" b="1" u="sng" dirty="0">
+                <a:latin typeface="Times New Roman" panose="02020603050405020304" pitchFamily="18" charset="0"/>
+                <a:cs typeface="Times New Roman" panose="02020603050405020304" pitchFamily="18" charset="0"/>
+              </a:rPr>
+              <a:t>Drop </a:t>
+            </a:r>
+            <a:r>
+              <a:rPr lang="en-US" sz="1600" b="1" u="sng" dirty="0" smtClean="0">
+                <a:latin typeface="Times New Roman" panose="02020603050405020304" pitchFamily="18" charset="0"/>
+                <a:cs typeface="Times New Roman" panose="02020603050405020304" pitchFamily="18" charset="0"/>
+              </a:rPr>
+              <a:t>VIEW</a:t>
+            </a:r>
+          </a:p>
+          <a:p>
+            <a:pPr marL="0" indent="0">
+              <a:buNone/>
+            </a:pPr>
+            <a:r>
+              <a:rPr lang="en-US" sz="1600" dirty="0">
+                <a:latin typeface="Times New Roman" panose="02020603050405020304" pitchFamily="18" charset="0"/>
+                <a:cs typeface="Times New Roman" panose="02020603050405020304" pitchFamily="18" charset="0"/>
+              </a:rPr>
+              <a:t>DROP</a:t>
+            </a:r>
+            <a:r>
+              <a:rPr lang="en-US" dirty="0">
+                <a:latin typeface="Times New Roman" panose="02020603050405020304" pitchFamily="18" charset="0"/>
+                <a:cs typeface="Times New Roman" panose="02020603050405020304" pitchFamily="18" charset="0"/>
+              </a:rPr>
+              <a:t> </a:t>
+            </a:r>
+            <a:r>
+              <a:rPr lang="en-US" sz="1600" dirty="0">
+                <a:latin typeface="Times New Roman" panose="02020603050405020304" pitchFamily="18" charset="0"/>
+                <a:cs typeface="Times New Roman" panose="02020603050405020304" pitchFamily="18" charset="0"/>
+              </a:rPr>
+              <a:t>VIEW</a:t>
+            </a:r>
+            <a:r>
+              <a:rPr lang="en-US" dirty="0">
+                <a:latin typeface="Times New Roman" panose="02020603050405020304" pitchFamily="18" charset="0"/>
+                <a:cs typeface="Times New Roman" panose="02020603050405020304" pitchFamily="18" charset="0"/>
+              </a:rPr>
+              <a:t> [</a:t>
+            </a:r>
+            <a:r>
+              <a:rPr lang="en-US" sz="1600" dirty="0">
+                <a:latin typeface="Times New Roman" panose="02020603050405020304" pitchFamily="18" charset="0"/>
+                <a:cs typeface="Times New Roman" panose="02020603050405020304" pitchFamily="18" charset="0"/>
+              </a:rPr>
+              <a:t>IF</a:t>
+            </a:r>
+            <a:r>
+              <a:rPr lang="en-US" dirty="0">
+                <a:latin typeface="Times New Roman" panose="02020603050405020304" pitchFamily="18" charset="0"/>
+                <a:cs typeface="Times New Roman" panose="02020603050405020304" pitchFamily="18" charset="0"/>
+              </a:rPr>
+              <a:t> </a:t>
+            </a:r>
+            <a:r>
+              <a:rPr lang="en-US" sz="1600" dirty="0">
+                <a:latin typeface="Times New Roman" panose="02020603050405020304" pitchFamily="18" charset="0"/>
+                <a:cs typeface="Times New Roman" panose="02020603050405020304" pitchFamily="18" charset="0"/>
+              </a:rPr>
+              <a:t>EXISTS</a:t>
+            </a:r>
+            <a:r>
+              <a:rPr lang="en-US" dirty="0">
+                <a:latin typeface="Times New Roman" panose="02020603050405020304" pitchFamily="18" charset="0"/>
+                <a:cs typeface="Times New Roman" panose="02020603050405020304" pitchFamily="18" charset="0"/>
+              </a:rPr>
+              <a:t>] </a:t>
+            </a:r>
+            <a:r>
+              <a:rPr lang="en-US" dirty="0" err="1">
+                <a:latin typeface="Times New Roman" panose="02020603050405020304" pitchFamily="18" charset="0"/>
+                <a:cs typeface="Times New Roman" panose="02020603050405020304" pitchFamily="18" charset="0"/>
+              </a:rPr>
+              <a:t>view_name</a:t>
+            </a:r>
+            <a:r>
+              <a:rPr lang="en-US" dirty="0">
+                <a:latin typeface="Times New Roman" panose="02020603050405020304" pitchFamily="18" charset="0"/>
+                <a:cs typeface="Times New Roman" panose="02020603050405020304" pitchFamily="18" charset="0"/>
+              </a:rPr>
+              <a:t>; </a:t>
+            </a:r>
+          </a:p>
+        </p:txBody>
+      </p:sp>
+    </p:spTree>
+    <p:extLst>
+      <p:ext uri="{BB962C8B-B14F-4D97-AF65-F5344CB8AC3E}">
+        <p14:creationId xmlns:p14="http://schemas.microsoft.com/office/powerpoint/2010/main" val="3311735021"/>
+      </p:ext>
+    </p:extLst>
+  </p:cSld>
+  <p:clrMapOvr>
+    <a:masterClrMapping/>
+  </p:clrMapOvr>
+</p:sld>
+</file>
+
+<file path=ppt/slides/slide7.xml><?xml version="1.0" encoding="utf-8"?>
+<p:sld xmlns:a="http://schemas.openxmlformats.org/drawingml/2006/main" xmlns:r="http://schemas.openxmlformats.org/officeDocument/2006/relationships" xmlns:p="http://schemas.openxmlformats.org/presentationml/2006/main">
+  <p:cSld>
+    <p:spTree>
+      <p:nvGrpSpPr>
+        <p:cNvPr id="1" name=""/>
+        <p:cNvGrpSpPr/>
+        <p:nvPr/>
+      </p:nvGrpSpPr>
+      <p:grpSpPr>
+        <a:xfrm>
+          <a:off x="0" y="0"/>
+          <a:ext cx="0" cy="0"/>
+          <a:chOff x="0" y="0"/>
+          <a:chExt cx="0" cy="0"/>
+        </a:xfrm>
+      </p:grpSpPr>
+      <p:sp>
+        <p:nvSpPr>
+          <p:cNvPr id="2" name="Title 1"/>
+          <p:cNvSpPr>
+            <a:spLocks noGrp="1"/>
+          </p:cNvSpPr>
+          <p:nvPr>
+            <p:ph type="title"/>
+          </p:nvPr>
+        </p:nvSpPr>
+        <p:spPr>
+          <a:xfrm>
+            <a:off x="1371600" y="685800"/>
+            <a:ext cx="9601200" cy="528851"/>
+          </a:xfrm>
+        </p:spPr>
+        <p:txBody>
+          <a:bodyPr/>
+          <a:lstStyle/>
+          <a:p>
+            <a:r>
+              <a:rPr lang="en-US" sz="2400" b="1" u="sng" dirty="0" smtClean="0">
+                <a:latin typeface="Times New Roman" panose="02020603050405020304" pitchFamily="18" charset="0"/>
+                <a:cs typeface="Times New Roman" panose="02020603050405020304" pitchFamily="18" charset="0"/>
+              </a:rPr>
+              <a:t>ADVANTAGES AND DISADVANTAGES</a:t>
+            </a:r>
+            <a:endParaRPr lang="en-US" sz="2400" b="1" u="sng" dirty="0">
+              <a:latin typeface="Times New Roman" panose="02020603050405020304" pitchFamily="18" charset="0"/>
+              <a:cs typeface="Times New Roman" panose="02020603050405020304" pitchFamily="18" charset="0"/>
+            </a:endParaRPr>
+          </a:p>
+        </p:txBody>
+      </p:sp>
+      <p:sp>
+        <p:nvSpPr>
+          <p:cNvPr id="3" name="Content Placeholder 2"/>
+          <p:cNvSpPr>
+            <a:spLocks noGrp="1"/>
+          </p:cNvSpPr>
+          <p:nvPr>
+            <p:ph idx="1"/>
+          </p:nvPr>
+        </p:nvSpPr>
+        <p:spPr>
+          <a:xfrm>
+            <a:off x="1467135" y="1371599"/>
+            <a:ext cx="9601200" cy="4838131"/>
+          </a:xfrm>
+        </p:spPr>
+        <p:txBody>
+          <a:bodyPr/>
+          <a:lstStyle/>
+          <a:p>
+            <a:pPr marL="0" indent="0">
+              <a:buNone/>
+            </a:pPr>
+            <a:r>
+              <a:rPr lang="en-US" b="1" u="sng" dirty="0" smtClean="0">
+                <a:latin typeface="Times New Roman" panose="02020603050405020304" pitchFamily="18" charset="0"/>
+                <a:cs typeface="Times New Roman" panose="02020603050405020304" pitchFamily="18" charset="0"/>
+              </a:rPr>
+              <a:t>Advantages</a:t>
+            </a:r>
+          </a:p>
+          <a:p>
+            <a:pPr>
+              <a:buFont typeface="Wingdings" panose="05000000000000000000" pitchFamily="2" charset="2"/>
+              <a:buChar char="§"/>
+            </a:pPr>
+            <a:r>
+              <a:rPr lang="en-US" dirty="0">
+                <a:latin typeface="Times New Roman" panose="02020603050405020304" pitchFamily="18" charset="0"/>
+                <a:cs typeface="Times New Roman" panose="02020603050405020304" pitchFamily="18" charset="0"/>
+              </a:rPr>
+              <a:t> </a:t>
+            </a:r>
+            <a:r>
               <a:rPr lang="en-US" dirty="0" smtClean="0">
                 <a:latin typeface="Times New Roman" panose="02020603050405020304" pitchFamily="18" charset="0"/>
                 <a:cs typeface="Times New Roman" panose="02020603050405020304" pitchFamily="18" charset="0"/>
               </a:rPr>
-              <a:t> </a:t>
-            </a:r>
-            <a:r>
-              <a:rPr lang="en-US" sz="1600" dirty="0">
-                <a:latin typeface="Times New Roman" panose="02020603050405020304" pitchFamily="18" charset="0"/>
-                <a:cs typeface="Times New Roman" panose="02020603050405020304" pitchFamily="18" charset="0"/>
-              </a:rPr>
-              <a:t>AS  </a:t>
+              <a:t>Allows us to </a:t>
+            </a:r>
+            <a:r>
+              <a:rPr lang="en-US" dirty="0">
+                <a:latin typeface="Times New Roman" panose="02020603050405020304" pitchFamily="18" charset="0"/>
+                <a:cs typeface="Times New Roman" panose="02020603050405020304" pitchFamily="18" charset="0"/>
+              </a:rPr>
+              <a:t>simplify complex </a:t>
+            </a:r>
+            <a:r>
+              <a:rPr lang="en-US" dirty="0" smtClean="0">
+                <a:latin typeface="Times New Roman" panose="02020603050405020304" pitchFamily="18" charset="0"/>
+                <a:cs typeface="Times New Roman" panose="02020603050405020304" pitchFamily="18" charset="0"/>
+              </a:rPr>
+              <a:t>queries</a:t>
+            </a:r>
+          </a:p>
+          <a:p>
+            <a:pPr>
+              <a:buFont typeface="Wingdings" panose="05000000000000000000" pitchFamily="2" charset="2"/>
+              <a:buChar char="§"/>
+            </a:pPr>
+            <a:r>
+              <a:rPr lang="en-US" dirty="0" smtClean="0">
+                <a:latin typeface="Times New Roman" panose="02020603050405020304" pitchFamily="18" charset="0"/>
+                <a:cs typeface="Times New Roman" panose="02020603050405020304" pitchFamily="18" charset="0"/>
+              </a:rPr>
+              <a:t>Helps </a:t>
+            </a:r>
+            <a:r>
+              <a:rPr lang="en-US" dirty="0">
+                <a:latin typeface="Times New Roman" panose="02020603050405020304" pitchFamily="18" charset="0"/>
+                <a:cs typeface="Times New Roman" panose="02020603050405020304" pitchFamily="18" charset="0"/>
+              </a:rPr>
+              <a:t>limit data access to specific </a:t>
+            </a:r>
+            <a:r>
+              <a:rPr lang="en-US" dirty="0" smtClean="0">
+                <a:latin typeface="Times New Roman" panose="02020603050405020304" pitchFamily="18" charset="0"/>
+                <a:cs typeface="Times New Roman" panose="02020603050405020304" pitchFamily="18" charset="0"/>
+              </a:rPr>
+              <a:t>users</a:t>
+            </a:r>
+          </a:p>
+          <a:p>
+            <a:pPr>
+              <a:buFont typeface="Wingdings" panose="05000000000000000000" pitchFamily="2" charset="2"/>
+              <a:buChar char="§"/>
+            </a:pPr>
+            <a:r>
+              <a:rPr lang="en-US" dirty="0" smtClean="0">
+                <a:latin typeface="Times New Roman" panose="02020603050405020304" pitchFamily="18" charset="0"/>
+                <a:cs typeface="Times New Roman" panose="02020603050405020304" pitchFamily="18" charset="0"/>
+              </a:rPr>
+              <a:t>Provides </a:t>
+            </a:r>
+            <a:r>
+              <a:rPr lang="en-US" dirty="0">
+                <a:latin typeface="Times New Roman" panose="02020603050405020304" pitchFamily="18" charset="0"/>
+                <a:cs typeface="Times New Roman" panose="02020603050405020304" pitchFamily="18" charset="0"/>
+              </a:rPr>
+              <a:t>extra security </a:t>
+            </a:r>
+            <a:r>
+              <a:rPr lang="en-US" dirty="0" smtClean="0">
+                <a:latin typeface="Times New Roman" panose="02020603050405020304" pitchFamily="18" charset="0"/>
+                <a:cs typeface="Times New Roman" panose="02020603050405020304" pitchFamily="18" charset="0"/>
+              </a:rPr>
+              <a:t>layer</a:t>
+            </a:r>
+          </a:p>
+          <a:p>
+            <a:pPr>
+              <a:buFont typeface="Wingdings" panose="05000000000000000000" pitchFamily="2" charset="2"/>
+              <a:buChar char="§"/>
+            </a:pPr>
+            <a:r>
+              <a:rPr lang="en-US" dirty="0" smtClean="0">
+                <a:latin typeface="Times New Roman" panose="02020603050405020304" pitchFamily="18" charset="0"/>
+                <a:cs typeface="Times New Roman" panose="02020603050405020304" pitchFamily="18" charset="0"/>
+              </a:rPr>
+              <a:t>Enables </a:t>
+            </a:r>
+            <a:r>
+              <a:rPr lang="en-US" dirty="0">
+                <a:latin typeface="Times New Roman" panose="02020603050405020304" pitchFamily="18" charset="0"/>
+                <a:cs typeface="Times New Roman" panose="02020603050405020304" pitchFamily="18" charset="0"/>
+              </a:rPr>
+              <a:t>computed </a:t>
+            </a:r>
+            <a:r>
+              <a:rPr lang="en-US" dirty="0" smtClean="0">
+                <a:latin typeface="Times New Roman" panose="02020603050405020304" pitchFamily="18" charset="0"/>
+                <a:cs typeface="Times New Roman" panose="02020603050405020304" pitchFamily="18" charset="0"/>
+              </a:rPr>
+              <a:t>columns</a:t>
+            </a:r>
+          </a:p>
+          <a:p>
+            <a:pPr>
+              <a:buFont typeface="Wingdings" panose="05000000000000000000" pitchFamily="2" charset="2"/>
+              <a:buChar char="§"/>
+            </a:pPr>
+            <a:r>
+              <a:rPr lang="en-US" dirty="0">
+                <a:latin typeface="Times New Roman" panose="02020603050405020304" pitchFamily="18" charset="0"/>
+                <a:cs typeface="Times New Roman" panose="02020603050405020304" pitchFamily="18" charset="0"/>
+              </a:rPr>
+              <a:t>E</a:t>
+            </a:r>
+            <a:r>
+              <a:rPr lang="en-US" dirty="0" smtClean="0">
+                <a:latin typeface="Times New Roman" panose="02020603050405020304" pitchFamily="18" charset="0"/>
+                <a:cs typeface="Times New Roman" panose="02020603050405020304" pitchFamily="18" charset="0"/>
+              </a:rPr>
+              <a:t>nables </a:t>
+            </a:r>
+            <a:r>
+              <a:rPr lang="en-US" dirty="0">
+                <a:latin typeface="Times New Roman" panose="02020603050405020304" pitchFamily="18" charset="0"/>
+                <a:cs typeface="Times New Roman" panose="02020603050405020304" pitchFamily="18" charset="0"/>
+              </a:rPr>
+              <a:t>backward </a:t>
+            </a:r>
+            <a:r>
+              <a:rPr lang="en-US" dirty="0" smtClean="0">
+                <a:latin typeface="Times New Roman" panose="02020603050405020304" pitchFamily="18" charset="0"/>
+                <a:cs typeface="Times New Roman" panose="02020603050405020304" pitchFamily="18" charset="0"/>
+              </a:rPr>
+              <a:t>compatibility</a:t>
             </a:r>
           </a:p>
           <a:p>
@@ -5957,77 +6350,86 @@
               <a:buNone/>
             </a:pPr>
             <a:r>
-              <a:rPr lang="en-US" sz="1600" dirty="0" smtClean="0">
-                <a:latin typeface="Times New Roman" panose="02020603050405020304" pitchFamily="18" charset="0"/>
-                <a:cs typeface="Times New Roman" panose="02020603050405020304" pitchFamily="18" charset="0"/>
-              </a:rPr>
-              <a:t>  SELECT</a:t>
+              <a:rPr lang="en-US" b="1" u="sng" dirty="0" smtClean="0">
+                <a:latin typeface="Times New Roman" panose="02020603050405020304" pitchFamily="18" charset="0"/>
+                <a:cs typeface="Times New Roman" panose="02020603050405020304" pitchFamily="18" charset="0"/>
+              </a:rPr>
+              <a:t>Disadvantages</a:t>
+            </a:r>
+          </a:p>
+          <a:p>
+            <a:pPr>
+              <a:buFont typeface="Wingdings" panose="05000000000000000000" pitchFamily="2" charset="2"/>
+              <a:buChar char="§"/>
+            </a:pPr>
+            <a:r>
+              <a:rPr lang="en-US" dirty="0">
+                <a:latin typeface="Times New Roman" panose="02020603050405020304" pitchFamily="18" charset="0"/>
+                <a:cs typeface="Times New Roman" panose="02020603050405020304" pitchFamily="18" charset="0"/>
+              </a:rPr>
+              <a:t>Performance: querying data from a database view can be slow especially if the view is created based on other views</a:t>
             </a:r>
             <a:r>
               <a:rPr lang="en-US" dirty="0" smtClean="0">
                 <a:latin typeface="Times New Roman" panose="02020603050405020304" pitchFamily="18" charset="0"/>
                 <a:cs typeface="Times New Roman" panose="02020603050405020304" pitchFamily="18" charset="0"/>
               </a:rPr>
-              <a:t> </a:t>
-            </a:r>
+              <a:t>.</a:t>
+            </a:r>
+          </a:p>
+          <a:p>
+            <a:pPr>
+              <a:buFont typeface="Wingdings" panose="05000000000000000000" pitchFamily="2" charset="2"/>
+              <a:buChar char="§"/>
+            </a:pPr>
             <a:r>
               <a:rPr lang="en-US" dirty="0">
                 <a:latin typeface="Times New Roman" panose="02020603050405020304" pitchFamily="18" charset="0"/>
                 <a:cs typeface="Times New Roman" panose="02020603050405020304" pitchFamily="18" charset="0"/>
               </a:rPr>
-              <a:t>columns  </a:t>
-            </a:r>
-          </a:p>
-          <a:p>
-            <a:pPr marL="0" indent="0">
-              <a:buNone/>
-            </a:pPr>
-            <a:r>
-              <a:rPr lang="en-US" sz="1600" dirty="0" smtClean="0">
-                <a:latin typeface="Times New Roman" panose="02020603050405020304" pitchFamily="18" charset="0"/>
-                <a:cs typeface="Times New Roman" panose="02020603050405020304" pitchFamily="18" charset="0"/>
-              </a:rPr>
-              <a:t>  FROM</a:t>
+              <a:t>Tables dependency: </a:t>
             </a:r>
             <a:r>
               <a:rPr lang="en-US" dirty="0" smtClean="0">
                 <a:latin typeface="Times New Roman" panose="02020603050405020304" pitchFamily="18" charset="0"/>
                 <a:cs typeface="Times New Roman" panose="02020603050405020304" pitchFamily="18" charset="0"/>
               </a:rPr>
-              <a:t> </a:t>
+              <a:t>we create </a:t>
             </a:r>
             <a:r>
               <a:rPr lang="en-US" dirty="0">
                 <a:latin typeface="Times New Roman" panose="02020603050405020304" pitchFamily="18" charset="0"/>
                 <a:cs typeface="Times New Roman" panose="02020603050405020304" pitchFamily="18" charset="0"/>
               </a:rPr>
-              <a:t>table  </a:t>
-            </a:r>
-          </a:p>
-          <a:p>
-            <a:pPr marL="0" indent="0">
-              <a:buNone/>
-            </a:pPr>
-            <a:r>
-              <a:rPr lang="en-US" sz="1600" smtClean="0">
-                <a:latin typeface="Times New Roman" panose="02020603050405020304" pitchFamily="18" charset="0"/>
-                <a:cs typeface="Times New Roman" panose="02020603050405020304" pitchFamily="18" charset="0"/>
-              </a:rPr>
-              <a:t>  WHERE</a:t>
-            </a:r>
-            <a:r>
-              <a:rPr lang="en-US" smtClean="0">
-                <a:latin typeface="Times New Roman" panose="02020603050405020304" pitchFamily="18" charset="0"/>
-                <a:cs typeface="Times New Roman" panose="02020603050405020304" pitchFamily="18" charset="0"/>
-              </a:rPr>
-              <a:t> </a:t>
+              <a:t>a view based on underlying tables of the database. Whenever </a:t>
+            </a:r>
+            <a:r>
+              <a:rPr lang="en-US" dirty="0" smtClean="0">
+                <a:latin typeface="Times New Roman" panose="02020603050405020304" pitchFamily="18" charset="0"/>
+                <a:cs typeface="Times New Roman" panose="02020603050405020304" pitchFamily="18" charset="0"/>
+              </a:rPr>
+              <a:t>we change </a:t>
             </a:r>
             <a:r>
               <a:rPr lang="en-US" dirty="0">
                 <a:latin typeface="Times New Roman" panose="02020603050405020304" pitchFamily="18" charset="0"/>
                 <a:cs typeface="Times New Roman" panose="02020603050405020304" pitchFamily="18" charset="0"/>
               </a:rPr>
-              <a:t>conditions; </a:t>
+              <a:t>the structure of these tables that view associated with, </a:t>
+            </a:r>
+            <a:r>
+              <a:rPr lang="en-US" dirty="0" smtClean="0">
+                <a:latin typeface="Times New Roman" panose="02020603050405020304" pitchFamily="18" charset="0"/>
+                <a:cs typeface="Times New Roman" panose="02020603050405020304" pitchFamily="18" charset="0"/>
+              </a:rPr>
+              <a:t>we have </a:t>
+            </a:r>
+            <a:r>
+              <a:rPr lang="en-US" dirty="0">
+                <a:latin typeface="Times New Roman" panose="02020603050405020304" pitchFamily="18" charset="0"/>
+                <a:cs typeface="Times New Roman" panose="02020603050405020304" pitchFamily="18" charset="0"/>
+              </a:rPr>
+              <a:t>to change the view as well.</a:t>
             </a:r>
             <a:endParaRPr lang="en-US" dirty="0" smtClean="0">
               <a:latin typeface="Times New Roman" panose="02020603050405020304" pitchFamily="18" charset="0"/>
@@ -6035,105 +6437,27 @@
             </a:endParaRPr>
           </a:p>
           <a:p>
-            <a:pPr marL="0" indent="0">
-              <a:buNone/>
+            <a:endParaRPr lang="en-US" dirty="0" smtClean="0">
+              <a:latin typeface="Times New Roman" panose="02020603050405020304" pitchFamily="18" charset="0"/>
+              <a:cs typeface="Times New Roman" panose="02020603050405020304" pitchFamily="18" charset="0"/>
+            </a:endParaRPr>
+          </a:p>
+          <a:p>
+            <a:pPr>
+              <a:buFont typeface="Wingdings" panose="05000000000000000000" pitchFamily="2" charset="2"/>
+              <a:buChar char="§"/>
             </a:pPr>
-            <a:r>
-              <a:rPr lang="en-US" b="1" u="sng" dirty="0">
-                <a:latin typeface="Times New Roman" panose="02020603050405020304" pitchFamily="18" charset="0"/>
-                <a:cs typeface="Times New Roman" panose="02020603050405020304" pitchFamily="18" charset="0"/>
-              </a:rPr>
-              <a:t>Drop </a:t>
-            </a:r>
-            <a:r>
-              <a:rPr lang="en-US" sz="1600" b="1" u="sng" dirty="0" smtClean="0">
-                <a:latin typeface="Times New Roman" panose="02020603050405020304" pitchFamily="18" charset="0"/>
-                <a:cs typeface="Times New Roman" panose="02020603050405020304" pitchFamily="18" charset="0"/>
-              </a:rPr>
-              <a:t>VIEW</a:t>
-            </a:r>
-          </a:p>
-          <a:p>
-            <a:pPr marL="0" indent="0">
-              <a:buNone/>
-            </a:pPr>
-            <a:r>
-              <a:rPr lang="en-US" sz="1600" dirty="0">
-                <a:latin typeface="Times New Roman" panose="02020603050405020304" pitchFamily="18" charset="0"/>
-                <a:cs typeface="Times New Roman" panose="02020603050405020304" pitchFamily="18" charset="0"/>
-              </a:rPr>
-              <a:t>DROP</a:t>
-            </a:r>
-            <a:r>
-              <a:rPr lang="en-US" dirty="0">
-                <a:latin typeface="Times New Roman" panose="02020603050405020304" pitchFamily="18" charset="0"/>
-                <a:cs typeface="Times New Roman" panose="02020603050405020304" pitchFamily="18" charset="0"/>
-              </a:rPr>
-              <a:t> </a:t>
-            </a:r>
-            <a:r>
-              <a:rPr lang="en-US" sz="1600" dirty="0">
-                <a:latin typeface="Times New Roman" panose="02020603050405020304" pitchFamily="18" charset="0"/>
-                <a:cs typeface="Times New Roman" panose="02020603050405020304" pitchFamily="18" charset="0"/>
-              </a:rPr>
-              <a:t>VIEW</a:t>
-            </a:r>
-            <a:r>
-              <a:rPr lang="en-US" dirty="0">
-                <a:latin typeface="Times New Roman" panose="02020603050405020304" pitchFamily="18" charset="0"/>
-                <a:cs typeface="Times New Roman" panose="02020603050405020304" pitchFamily="18" charset="0"/>
-              </a:rPr>
-              <a:t> [</a:t>
-            </a:r>
-            <a:r>
-              <a:rPr lang="en-US" sz="1600" dirty="0">
-                <a:latin typeface="Times New Roman" panose="02020603050405020304" pitchFamily="18" charset="0"/>
-                <a:cs typeface="Times New Roman" panose="02020603050405020304" pitchFamily="18" charset="0"/>
-              </a:rPr>
-              <a:t>IF</a:t>
-            </a:r>
-            <a:r>
-              <a:rPr lang="en-US" dirty="0">
-                <a:latin typeface="Times New Roman" panose="02020603050405020304" pitchFamily="18" charset="0"/>
-                <a:cs typeface="Times New Roman" panose="02020603050405020304" pitchFamily="18" charset="0"/>
-              </a:rPr>
-              <a:t> </a:t>
-            </a:r>
-            <a:r>
-              <a:rPr lang="en-US" sz="1600" dirty="0">
-                <a:latin typeface="Times New Roman" panose="02020603050405020304" pitchFamily="18" charset="0"/>
-                <a:cs typeface="Times New Roman" panose="02020603050405020304" pitchFamily="18" charset="0"/>
-              </a:rPr>
-              <a:t>EXISTS</a:t>
-            </a:r>
-            <a:r>
-              <a:rPr lang="en-US" dirty="0">
-                <a:latin typeface="Times New Roman" panose="02020603050405020304" pitchFamily="18" charset="0"/>
-                <a:cs typeface="Times New Roman" panose="02020603050405020304" pitchFamily="18" charset="0"/>
-              </a:rPr>
-              <a:t>] </a:t>
-            </a:r>
-            <a:r>
-              <a:rPr lang="en-US" dirty="0" err="1">
-                <a:latin typeface="Times New Roman" panose="02020603050405020304" pitchFamily="18" charset="0"/>
-                <a:cs typeface="Times New Roman" panose="02020603050405020304" pitchFamily="18" charset="0"/>
-              </a:rPr>
-              <a:t>view_name</a:t>
-            </a:r>
-            <a:r>
-              <a:rPr lang="en-US" dirty="0">
-                <a:latin typeface="Times New Roman" panose="02020603050405020304" pitchFamily="18" charset="0"/>
-                <a:cs typeface="Times New Roman" panose="02020603050405020304" pitchFamily="18" charset="0"/>
-              </a:rPr>
-              <a:t>; </a:t>
-            </a:r>
+            <a:endParaRPr lang="en-US" dirty="0">
+              <a:latin typeface="Times New Roman" panose="02020603050405020304" pitchFamily="18" charset="0"/>
+              <a:cs typeface="Times New Roman" panose="02020603050405020304" pitchFamily="18" charset="0"/>
+            </a:endParaRPr>
           </a:p>
         </p:txBody>
       </p:sp>
     </p:spTree>
     <p:extLst>
       <p:ext uri="{BB962C8B-B14F-4D97-AF65-F5344CB8AC3E}">
-        <p14:creationId xmlns:p14="http://schemas.microsoft.com/office/powerpoint/2010/main" val="3311735021"/>
+        <p14:creationId xmlns:p14="http://schemas.microsoft.com/office/powerpoint/2010/main" val="2213298725"/>
       </p:ext>
     </p:extLst>
   </p:cSld>

--- a/Week 48/Views.pptx
+++ b/Week 48/Views.pptx
@@ -6148,17 +6148,19 @@
           </a:xfrm>
         </p:spPr>
         <p:txBody>
-          <a:bodyPr/>
+          <a:bodyPr>
+            <a:normAutofit/>
+          </a:bodyPr>
           <a:lstStyle/>
           <a:p>
             <a:r>
-              <a:rPr lang="en-US" sz="2400" b="1" u="sng" dirty="0" smtClean="0">
+              <a:rPr lang="en-US" sz="1800" b="1" u="sng" dirty="0" smtClean="0">
                 <a:latin typeface="Times New Roman" panose="02020603050405020304" pitchFamily="18" charset="0"/>
                 <a:cs typeface="Times New Roman" panose="02020603050405020304" pitchFamily="18" charset="0"/>
               </a:rPr>
               <a:t>ADVANTAGES AND DISADVANTAGES</a:t>
             </a:r>
-            <a:endParaRPr lang="en-US" sz="2400" b="1" u="sng" dirty="0">
+            <a:endParaRPr lang="en-US" sz="1800" b="1" u="sng" dirty="0">
               <a:latin typeface="Times New Roman" panose="02020603050405020304" pitchFamily="18" charset="0"/>
               <a:cs typeface="Times New Roman" panose="02020603050405020304" pitchFamily="18" charset="0"/>
             </a:endParaRPr>
@@ -6177,7 +6179,7 @@
         </p:nvSpPr>
         <p:spPr>
           <a:xfrm>
-            <a:off x="1467135" y="1371599"/>
+            <a:off x="1371600" y="1214651"/>
             <a:ext cx="9601200" cy="4838131"/>
           </a:xfrm>
         </p:spPr>
@@ -6213,7 +6215,7 @@
                 <a:latin typeface="Times New Roman" panose="02020603050405020304" pitchFamily="18" charset="0"/>
                 <a:cs typeface="Times New Roman" panose="02020603050405020304" pitchFamily="18" charset="0"/>
               </a:rPr>
-              <a:t>Allows us to </a:t>
+              <a:t>Allows to </a:t>
             </a:r>
             <a:r>
               <a:rPr lang="en-US" dirty="0">
@@ -6274,42 +6276,26 @@
                 <a:latin typeface="Times New Roman" panose="02020603050405020304" pitchFamily="18" charset="0"/>
                 <a:cs typeface="Times New Roman" panose="02020603050405020304" pitchFamily="18" charset="0"/>
               </a:rPr>
-              <a:t>extra security </a:t>
-            </a:r>
-            <a:r>
-              <a:rPr lang="en-US" dirty="0" smtClean="0">
+              <a:t>extra </a:t>
+            </a:r>
+            <a:r>
+              <a:rPr lang="en-US">
+                <a:latin typeface="Times New Roman" panose="02020603050405020304" pitchFamily="18" charset="0"/>
+                <a:cs typeface="Times New Roman" panose="02020603050405020304" pitchFamily="18" charset="0"/>
+              </a:rPr>
+              <a:t>security </a:t>
+            </a:r>
+            <a:r>
+              <a:rPr lang="en-US" smtClean="0">
                 <a:latin typeface="Times New Roman" panose="02020603050405020304" pitchFamily="18" charset="0"/>
                 <a:cs typeface="Times New Roman" panose="02020603050405020304" pitchFamily="18" charset="0"/>
               </a:rPr>
               <a:t>layer</a:t>
             </a:r>
-          </a:p>
-          <a:p>
-            <a:pPr>
-              <a:buFont typeface="Wingdings" panose="05000000000000000000" pitchFamily="2" charset="2"/>
-              <a:buChar char="§"/>
-            </a:pPr>
-            <a:r>
-              <a:rPr lang="en-US" dirty="0" smtClean="0">
-                <a:latin typeface="Times New Roman" panose="02020603050405020304" pitchFamily="18" charset="0"/>
-                <a:cs typeface="Times New Roman" panose="02020603050405020304" pitchFamily="18" charset="0"/>
-              </a:rPr>
-              <a:t>Enables </a:t>
-            </a:r>
-            <a:r>
-              <a:rPr lang="en-US" dirty="0">
-                <a:latin typeface="Times New Roman" panose="02020603050405020304" pitchFamily="18" charset="0"/>
-                <a:cs typeface="Times New Roman" panose="02020603050405020304" pitchFamily="18" charset="0"/>
-              </a:rPr>
-              <a:t>computed </a:t>
-            </a:r>
-            <a:r>
-              <a:rPr lang="en-US" dirty="0" smtClean="0">
-                <a:latin typeface="Times New Roman" panose="02020603050405020304" pitchFamily="18" charset="0"/>
-                <a:cs typeface="Times New Roman" panose="02020603050405020304" pitchFamily="18" charset="0"/>
-              </a:rPr>
-              <a:t>columns</a:t>
-            </a:r>
+            <a:endParaRPr lang="en-US" dirty="0" smtClean="0">
+              <a:latin typeface="Times New Roman" panose="02020603050405020304" pitchFamily="18" charset="0"/>
+              <a:cs typeface="Times New Roman" panose="02020603050405020304" pitchFamily="18" charset="0"/>
+            </a:endParaRPr>
           </a:p>
           <a:p>
             <a:pPr>
